--- a/Al-Khayyat Anaam Ali/Rendezési algoritmusok.pptx
+++ b/Al-Khayyat Anaam Ali/Rendezési algoritmusok.pptx
@@ -10,6 +10,8 @@
     <p:sldId id="259" r:id="rId4"/>
     <p:sldId id="258" r:id="rId5"/>
     <p:sldId id="260" r:id="rId6"/>
+    <p:sldId id="262" r:id="rId7"/>
+    <p:sldId id="261" r:id="rId8"/>
   </p:sldIdLst>
   <p:sldSz cx="12192000" cy="6858000"/>
   <p:notesSz cx="6858000" cy="9144000"/>
@@ -108,6 +110,11 @@
       </a:defRPr>
     </a:lvl9pPr>
   </p:defaultTextStyle>
+  <p:extLst>
+    <p:ext uri="{EFAFB233-063F-42B5-8137-9DF3F51BA10A}">
+      <p15:sldGuideLst xmlns:p15="http://schemas.microsoft.com/office/powerpoint/2012/main"/>
+    </p:ext>
+  </p:extLst>
 </p:presentation>
 </file>
 
@@ -13275,13 +13282,13 @@
   <p:clrMapOvr>
     <a:masterClrMapping/>
   </p:clrMapOvr>
-  <mc:AlternateContent xmlns:mc="http://schemas.openxmlformats.org/markup-compatibility/2006">
-    <mc:Choice xmlns:p14="http://schemas.microsoft.com/office/powerpoint/2010/main" Requires="p14">
+  <mc:AlternateContent xmlns:mc="http://schemas.openxmlformats.org/markup-compatibility/2006" xmlns:p14="http://schemas.microsoft.com/office/powerpoint/2010/main">
+    <mc:Choice Requires="p14">
       <p:transition spd="med" p14:dur="700">
         <p:fade/>
       </p:transition>
     </mc:Choice>
-    <mc:Fallback>
+    <mc:Fallback xmlns="">
       <p:transition spd="med">
         <p:fade/>
       </p:transition>
@@ -13403,13 +13410,13 @@
   <p:clrMapOvr>
     <a:masterClrMapping/>
   </p:clrMapOvr>
-  <mc:AlternateContent xmlns:mc="http://schemas.openxmlformats.org/markup-compatibility/2006">
-    <mc:Choice xmlns:p159="http://schemas.microsoft.com/office/powerpoint/2015/09/main" Requires="p159">
+  <mc:AlternateContent xmlns:mc="http://schemas.openxmlformats.org/markup-compatibility/2006" xmlns:p159="http://schemas.microsoft.com/office/powerpoint/2015/09/main">
+    <mc:Choice Requires="p159">
       <p:transition xmlns:p14="http://schemas.microsoft.com/office/powerpoint/2010/main" spd="slow" p14:dur="2000">
         <p159:morph option="byObject"/>
       </p:transition>
     </mc:Choice>
-    <mc:Fallback>
+    <mc:Fallback xmlns="">
       <p:transition spd="slow">
         <p:fade/>
       </p:transition>
@@ -13690,13 +13697,13 @@
   <p:clrMapOvr>
     <a:masterClrMapping/>
   </p:clrMapOvr>
-  <mc:AlternateContent xmlns:mc="http://schemas.openxmlformats.org/markup-compatibility/2006">
-    <mc:Choice xmlns:p14="http://schemas.microsoft.com/office/powerpoint/2010/main" Requires="p14">
+  <mc:AlternateContent xmlns:mc="http://schemas.openxmlformats.org/markup-compatibility/2006" xmlns:p14="http://schemas.microsoft.com/office/powerpoint/2010/main">
+    <mc:Choice Requires="p14">
       <p:transition spd="slow" p14:dur="1500">
         <p:split orient="vert"/>
       </p:transition>
     </mc:Choice>
-    <mc:Fallback>
+    <mc:Fallback xmlns="">
       <p:transition spd="slow">
         <p:split orient="vert"/>
       </p:transition>
@@ -13837,6 +13844,185 @@
   <p:transition spd="slow">
     <p:wipe/>
   </p:transition>
+</p:sld>
+</file>
+
+<file path=ppt/slides/slide6.xml><?xml version="1.0" encoding="utf-8"?>
+<p:sld xmlns:a="http://schemas.openxmlformats.org/drawingml/2006/main" xmlns:r="http://schemas.openxmlformats.org/officeDocument/2006/relationships" xmlns:p="http://schemas.openxmlformats.org/presentationml/2006/main">
+  <p:cSld>
+    <p:spTree>
+      <p:nvGrpSpPr>
+        <p:cNvPr id="1" name=""/>
+        <p:cNvGrpSpPr/>
+        <p:nvPr/>
+      </p:nvGrpSpPr>
+      <p:grpSpPr>
+        <a:xfrm>
+          <a:off x="0" y="0"/>
+          <a:ext cx="0" cy="0"/>
+          <a:chOff x="0" y="0"/>
+          <a:chExt cx="0" cy="0"/>
+        </a:xfrm>
+      </p:grpSpPr>
+      <p:sp>
+        <p:nvSpPr>
+          <p:cNvPr id="2" name="Cím 1">
+            <a:extLst>
+              <a:ext uri="{FF2B5EF4-FFF2-40B4-BE49-F238E27FC236}">
+                <a16:creationId xmlns:a16="http://schemas.microsoft.com/office/drawing/2014/main" id="{253A2A3A-33F2-42B0-9157-E6EBB5D3EBFB}"/>
+              </a:ext>
+            </a:extLst>
+          </p:cNvPr>
+          <p:cNvSpPr>
+            <a:spLocks noGrp="1"/>
+          </p:cNvSpPr>
+          <p:nvPr>
+            <p:ph type="title"/>
+          </p:nvPr>
+        </p:nvSpPr>
+        <p:spPr/>
+        <p:txBody>
+          <a:bodyPr/>
+          <a:lstStyle/>
+          <a:p>
+            <a:br>
+              <a:rPr lang="hu-HU" dirty="0"/>
+            </a:br>
+            <a:r>
+              <a:rPr lang="hu-HU" dirty="0"/>
+              <a:t>Buborék rendezés</a:t>
+            </a:r>
+            <a:br>
+              <a:rPr lang="hu-HU" dirty="0"/>
+            </a:br>
+            <a:endParaRPr lang="hu-HU" dirty="0"/>
+          </a:p>
+        </p:txBody>
+      </p:sp>
+      <p:sp>
+        <p:nvSpPr>
+          <p:cNvPr id="3" name="Tartalom helye 2">
+            <a:extLst>
+              <a:ext uri="{FF2B5EF4-FFF2-40B4-BE49-F238E27FC236}">
+                <a16:creationId xmlns:a16="http://schemas.microsoft.com/office/drawing/2014/main" id="{8A2B65D3-39F5-4ED8-AB9A-8AF4820199F8}"/>
+              </a:ext>
+            </a:extLst>
+          </p:cNvPr>
+          <p:cNvSpPr>
+            <a:spLocks noGrp="1"/>
+          </p:cNvSpPr>
+          <p:nvPr>
+            <p:ph idx="1"/>
+          </p:nvPr>
+        </p:nvSpPr>
+        <p:spPr/>
+        <p:txBody>
+          <a:bodyPr/>
+          <a:lstStyle/>
+          <a:p>
+            <a:r>
+              <a:rPr lang="hu-HU" dirty="0"/>
+              <a:t>Mivel az algoritmus nem túl hatékony, a gyakorlatban szinte egyáltalán nem, inkább csak az algoritmuselmélet oktatása során használják.</a:t>
+            </a:r>
+          </a:p>
+        </p:txBody>
+      </p:sp>
+    </p:spTree>
+    <p:extLst>
+      <p:ext uri="{BB962C8B-B14F-4D97-AF65-F5344CB8AC3E}">
+        <p14:creationId xmlns:p14="http://schemas.microsoft.com/office/powerpoint/2010/main" val="3462688408"/>
+      </p:ext>
+    </p:extLst>
+  </p:cSld>
+  <p:clrMapOvr>
+    <a:masterClrMapping/>
+  </p:clrMapOvr>
+</p:sld>
+</file>
+
+<file path=ppt/slides/slide7.xml><?xml version="1.0" encoding="utf-8"?>
+<p:sld xmlns:a="http://schemas.openxmlformats.org/drawingml/2006/main" xmlns:r="http://schemas.openxmlformats.org/officeDocument/2006/relationships" xmlns:p="http://schemas.openxmlformats.org/presentationml/2006/main">
+  <p:cSld>
+    <p:spTree>
+      <p:nvGrpSpPr>
+        <p:cNvPr id="1" name=""/>
+        <p:cNvGrpSpPr/>
+        <p:nvPr/>
+      </p:nvGrpSpPr>
+      <p:grpSpPr>
+        <a:xfrm>
+          <a:off x="0" y="0"/>
+          <a:ext cx="0" cy="0"/>
+          <a:chOff x="0" y="0"/>
+          <a:chExt cx="0" cy="0"/>
+        </a:xfrm>
+      </p:grpSpPr>
+      <p:sp>
+        <p:nvSpPr>
+          <p:cNvPr id="2" name="Cím 1">
+            <a:extLst>
+              <a:ext uri="{FF2B5EF4-FFF2-40B4-BE49-F238E27FC236}">
+                <a16:creationId xmlns:a16="http://schemas.microsoft.com/office/drawing/2014/main" id="{48E00262-1A35-4A6F-A2A7-DDE01F2C18B7}"/>
+              </a:ext>
+            </a:extLst>
+          </p:cNvPr>
+          <p:cNvSpPr>
+            <a:spLocks noGrp="1"/>
+          </p:cNvSpPr>
+          <p:nvPr>
+            <p:ph type="title"/>
+          </p:nvPr>
+        </p:nvSpPr>
+        <p:spPr/>
+        <p:txBody>
+          <a:bodyPr/>
+          <a:lstStyle/>
+          <a:p>
+            <a:r>
+              <a:rPr lang="hu-HU" dirty="0"/>
+              <a:t>Köszönöm a figyelmet!</a:t>
+            </a:r>
+          </a:p>
+        </p:txBody>
+      </p:sp>
+      <p:sp>
+        <p:nvSpPr>
+          <p:cNvPr id="3" name="Tartalom helye 2">
+            <a:extLst>
+              <a:ext uri="{FF2B5EF4-FFF2-40B4-BE49-F238E27FC236}">
+                <a16:creationId xmlns:a16="http://schemas.microsoft.com/office/drawing/2014/main" id="{B26C824F-EC7B-41EA-BA92-D530F44CE61E}"/>
+              </a:ext>
+            </a:extLst>
+          </p:cNvPr>
+          <p:cNvSpPr>
+            <a:spLocks noGrp="1"/>
+          </p:cNvSpPr>
+          <p:nvPr>
+            <p:ph idx="1"/>
+          </p:nvPr>
+        </p:nvSpPr>
+        <p:spPr/>
+        <p:txBody>
+          <a:bodyPr/>
+          <a:lstStyle/>
+          <a:p>
+            <a:r>
+              <a:rPr lang="hu-HU" dirty="0"/>
+              <a:t>Forrás: internet</a:t>
+            </a:r>
+          </a:p>
+        </p:txBody>
+      </p:sp>
+    </p:spTree>
+    <p:extLst>
+      <p:ext uri="{BB962C8B-B14F-4D97-AF65-F5344CB8AC3E}">
+        <p14:creationId xmlns:p14="http://schemas.microsoft.com/office/powerpoint/2010/main" val="3941393744"/>
+      </p:ext>
+    </p:extLst>
+  </p:cSld>
+  <p:clrMapOvr>
+    <a:masterClrMapping/>
+  </p:clrMapOvr>
 </p:sld>
 </file>
 

--- a/Al-Khayyat Anaam Ali/Rendezési algoritmusok.pptx
+++ b/Al-Khayyat Anaam Ali/Rendezési algoritmusok.pptx
@@ -6,11 +6,11 @@
   </p:sldMasterIdLst>
   <p:sldIdLst>
     <p:sldId id="256" r:id="rId2"/>
-    <p:sldId id="257" r:id="rId3"/>
-    <p:sldId id="259" r:id="rId4"/>
-    <p:sldId id="258" r:id="rId5"/>
-    <p:sldId id="260" r:id="rId6"/>
-    <p:sldId id="262" r:id="rId7"/>
+    <p:sldId id="262" r:id="rId3"/>
+    <p:sldId id="257" r:id="rId4"/>
+    <p:sldId id="259" r:id="rId5"/>
+    <p:sldId id="258" r:id="rId6"/>
+    <p:sldId id="260" r:id="rId7"/>
     <p:sldId id="261" r:id="rId8"/>
   </p:sldIdLst>
   <p:sldSz cx="12192000" cy="6858000"/>
@@ -13319,6 +13319,105 @@
           <p:cNvPr id="2" name="Cím 1">
             <a:extLst>
               <a:ext uri="{FF2B5EF4-FFF2-40B4-BE49-F238E27FC236}">
+                <a16:creationId xmlns:a16="http://schemas.microsoft.com/office/drawing/2014/main" id="{253A2A3A-33F2-42B0-9157-E6EBB5D3EBFB}"/>
+              </a:ext>
+            </a:extLst>
+          </p:cNvPr>
+          <p:cNvSpPr>
+            <a:spLocks noGrp="1"/>
+          </p:cNvSpPr>
+          <p:nvPr>
+            <p:ph type="title"/>
+          </p:nvPr>
+        </p:nvSpPr>
+        <p:spPr/>
+        <p:txBody>
+          <a:bodyPr/>
+          <a:lstStyle/>
+          <a:p>
+            <a:br>
+              <a:rPr lang="hu-HU" dirty="0"/>
+            </a:br>
+            <a:r>
+              <a:rPr lang="hu-HU" dirty="0"/>
+              <a:t>Buborék rendezés</a:t>
+            </a:r>
+            <a:br>
+              <a:rPr lang="hu-HU" dirty="0"/>
+            </a:br>
+            <a:endParaRPr lang="hu-HU" dirty="0"/>
+          </a:p>
+        </p:txBody>
+      </p:sp>
+      <p:sp>
+        <p:nvSpPr>
+          <p:cNvPr id="3" name="Tartalom helye 2">
+            <a:extLst>
+              <a:ext uri="{FF2B5EF4-FFF2-40B4-BE49-F238E27FC236}">
+                <a16:creationId xmlns:a16="http://schemas.microsoft.com/office/drawing/2014/main" id="{8A2B65D3-39F5-4ED8-AB9A-8AF4820199F8}"/>
+              </a:ext>
+            </a:extLst>
+          </p:cNvPr>
+          <p:cNvSpPr>
+            <a:spLocks noGrp="1"/>
+          </p:cNvSpPr>
+          <p:nvPr>
+            <p:ph idx="1"/>
+          </p:nvPr>
+        </p:nvSpPr>
+        <p:spPr/>
+        <p:txBody>
+          <a:bodyPr/>
+          <a:lstStyle/>
+          <a:p>
+            <a:r>
+              <a:rPr lang="hu-HU" dirty="0"/>
+              <a:t>Az algoritmus a nevét onnan kapta, hogy hasonlóan ahhoz, ahogy a pezsgőspohárban szállnak felfelé a buborékok, a rendezés során is minden egyes menetben a fennmaradó elemek közül a legnagyobbat “áramoltatjuk fel” a tömbszelet végére, tetejére.</a:t>
+            </a:r>
+          </a:p>
+          <a:p>
+            <a:r>
+              <a:rPr lang="hu-HU" dirty="0"/>
+              <a:t>Mivel az algoritmus nem túl hatékony, a gyakorlatban szinte egyáltalán nem, inkább csak az algoritmuselmélet oktatása során használják.</a:t>
+            </a:r>
+          </a:p>
+        </p:txBody>
+      </p:sp>
+    </p:spTree>
+    <p:extLst>
+      <p:ext uri="{BB962C8B-B14F-4D97-AF65-F5344CB8AC3E}">
+        <p14:creationId xmlns:p14="http://schemas.microsoft.com/office/powerpoint/2010/main" val="3462688408"/>
+      </p:ext>
+    </p:extLst>
+  </p:cSld>
+  <p:clrMapOvr>
+    <a:masterClrMapping/>
+  </p:clrMapOvr>
+</p:sld>
+</file>
+
+<file path=ppt/slides/slide3.xml><?xml version="1.0" encoding="utf-8"?>
+<p:sld xmlns:a="http://schemas.openxmlformats.org/drawingml/2006/main" xmlns:r="http://schemas.openxmlformats.org/officeDocument/2006/relationships" xmlns:p="http://schemas.openxmlformats.org/presentationml/2006/main">
+  <p:cSld>
+    <p:spTree>
+      <p:nvGrpSpPr>
+        <p:cNvPr id="1" name=""/>
+        <p:cNvGrpSpPr/>
+        <p:nvPr/>
+      </p:nvGrpSpPr>
+      <p:grpSpPr>
+        <a:xfrm>
+          <a:off x="0" y="0"/>
+          <a:ext cx="0" cy="0"/>
+          <a:chOff x="0" y="0"/>
+          <a:chExt cx="0" cy="0"/>
+        </a:xfrm>
+      </p:grpSpPr>
+      <p:sp>
+        <p:nvSpPr>
+          <p:cNvPr id="2" name="Cím 1">
+            <a:extLst>
+              <a:ext uri="{FF2B5EF4-FFF2-40B4-BE49-F238E27FC236}">
                 <a16:creationId xmlns:a16="http://schemas.microsoft.com/office/drawing/2014/main" id="{96662C6D-533D-4FAF-9C25-2107D38BA66A}"/>
               </a:ext>
             </a:extLst>
@@ -13425,7 +13524,7 @@
 </p:sld>
 </file>
 
-<file path=ppt/slides/slide3.xml><?xml version="1.0" encoding="utf-8"?>
+<file path=ppt/slides/slide4.xml><?xml version="1.0" encoding="utf-8"?>
 <p:sld xmlns:a="http://schemas.openxmlformats.org/drawingml/2006/main" xmlns:r="http://schemas.openxmlformats.org/officeDocument/2006/relationships" xmlns:p="http://schemas.openxmlformats.org/presentationml/2006/main">
   <p:cSld>
     <p:spTree>
@@ -13579,7 +13678,7 @@
 </p:sld>
 </file>
 
-<file path=ppt/slides/slide4.xml><?xml version="1.0" encoding="utf-8"?>
+<file path=ppt/slides/slide5.xml><?xml version="1.0" encoding="utf-8"?>
 <p:sld xmlns:a="http://schemas.openxmlformats.org/drawingml/2006/main" xmlns:r="http://schemas.openxmlformats.org/officeDocument/2006/relationships" xmlns:p="http://schemas.openxmlformats.org/presentationml/2006/main">
   <p:cSld>
     <p:spTree>
@@ -13712,7 +13811,7 @@
 </p:sld>
 </file>
 
-<file path=ppt/slides/slide5.xml><?xml version="1.0" encoding="utf-8"?>
+<file path=ppt/slides/slide6.xml><?xml version="1.0" encoding="utf-8"?>
 <p:sld xmlns:a="http://schemas.openxmlformats.org/drawingml/2006/main" xmlns:r="http://schemas.openxmlformats.org/officeDocument/2006/relationships" xmlns:p="http://schemas.openxmlformats.org/presentationml/2006/main">
   <p:cSld>
     <p:spTree>
@@ -13844,99 +13943,6 @@
   <p:transition spd="slow">
     <p:wipe/>
   </p:transition>
-</p:sld>
-</file>
-
-<file path=ppt/slides/slide6.xml><?xml version="1.0" encoding="utf-8"?>
-<p:sld xmlns:a="http://schemas.openxmlformats.org/drawingml/2006/main" xmlns:r="http://schemas.openxmlformats.org/officeDocument/2006/relationships" xmlns:p="http://schemas.openxmlformats.org/presentationml/2006/main">
-  <p:cSld>
-    <p:spTree>
-      <p:nvGrpSpPr>
-        <p:cNvPr id="1" name=""/>
-        <p:cNvGrpSpPr/>
-        <p:nvPr/>
-      </p:nvGrpSpPr>
-      <p:grpSpPr>
-        <a:xfrm>
-          <a:off x="0" y="0"/>
-          <a:ext cx="0" cy="0"/>
-          <a:chOff x="0" y="0"/>
-          <a:chExt cx="0" cy="0"/>
-        </a:xfrm>
-      </p:grpSpPr>
-      <p:sp>
-        <p:nvSpPr>
-          <p:cNvPr id="2" name="Cím 1">
-            <a:extLst>
-              <a:ext uri="{FF2B5EF4-FFF2-40B4-BE49-F238E27FC236}">
-                <a16:creationId xmlns:a16="http://schemas.microsoft.com/office/drawing/2014/main" id="{253A2A3A-33F2-42B0-9157-E6EBB5D3EBFB}"/>
-              </a:ext>
-            </a:extLst>
-          </p:cNvPr>
-          <p:cNvSpPr>
-            <a:spLocks noGrp="1"/>
-          </p:cNvSpPr>
-          <p:nvPr>
-            <p:ph type="title"/>
-          </p:nvPr>
-        </p:nvSpPr>
-        <p:spPr/>
-        <p:txBody>
-          <a:bodyPr/>
-          <a:lstStyle/>
-          <a:p>
-            <a:br>
-              <a:rPr lang="hu-HU" dirty="0"/>
-            </a:br>
-            <a:r>
-              <a:rPr lang="hu-HU" dirty="0"/>
-              <a:t>Buborék rendezés</a:t>
-            </a:r>
-            <a:br>
-              <a:rPr lang="hu-HU" dirty="0"/>
-            </a:br>
-            <a:endParaRPr lang="hu-HU" dirty="0"/>
-          </a:p>
-        </p:txBody>
-      </p:sp>
-      <p:sp>
-        <p:nvSpPr>
-          <p:cNvPr id="3" name="Tartalom helye 2">
-            <a:extLst>
-              <a:ext uri="{FF2B5EF4-FFF2-40B4-BE49-F238E27FC236}">
-                <a16:creationId xmlns:a16="http://schemas.microsoft.com/office/drawing/2014/main" id="{8A2B65D3-39F5-4ED8-AB9A-8AF4820199F8}"/>
-              </a:ext>
-            </a:extLst>
-          </p:cNvPr>
-          <p:cNvSpPr>
-            <a:spLocks noGrp="1"/>
-          </p:cNvSpPr>
-          <p:nvPr>
-            <p:ph idx="1"/>
-          </p:nvPr>
-        </p:nvSpPr>
-        <p:spPr/>
-        <p:txBody>
-          <a:bodyPr/>
-          <a:lstStyle/>
-          <a:p>
-            <a:r>
-              <a:rPr lang="hu-HU" dirty="0"/>
-              <a:t>Mivel az algoritmus nem túl hatékony, a gyakorlatban szinte egyáltalán nem, inkább csak az algoritmuselmélet oktatása során használják.</a:t>
-            </a:r>
-          </a:p>
-        </p:txBody>
-      </p:sp>
-    </p:spTree>
-    <p:extLst>
-      <p:ext uri="{BB962C8B-B14F-4D97-AF65-F5344CB8AC3E}">
-        <p14:creationId xmlns:p14="http://schemas.microsoft.com/office/powerpoint/2010/main" val="3462688408"/>
-      </p:ext>
-    </p:extLst>
-  </p:cSld>
-  <p:clrMapOvr>
-    <a:masterClrMapping/>
-  </p:clrMapOvr>
 </p:sld>
 </file>
 
